--- a/2DGP_Project/ppt발표폴더/중간발표/Run & Retrun.pptx
+++ b/2DGP_Project/ppt발표폴더/중간발표/Run & Retrun.pptx
@@ -4058,6 +4058,21 @@
           <a:bodyPr/>
           <a:lstStyle/>
           <a:p>
+            <a:r>
+              <a:rPr lang="ko-KR" altLang="en-US" sz="3600" dirty="0"/>
+              <a:t>○정확한 판단</a:t>
+            </a:r>
+            <a:r>
+              <a:rPr lang="en-US" altLang="ko-KR" sz="3600" dirty="0"/>
+              <a:t>, </a:t>
+            </a:r>
+            <a:r>
+              <a:rPr lang="ko-KR" altLang="en-US" sz="3600" dirty="0"/>
+              <a:t>섬세한 컨트롤</a:t>
+            </a:r>
+            <a:endParaRPr lang="en-US" altLang="ko-KR" sz="3600" dirty="0"/>
+          </a:p>
+          <a:p>
             <a:endParaRPr lang="en-US" altLang="ko-KR" dirty="0"/>
           </a:p>
         </p:txBody>

--- a/2DGP_Project/ppt발표폴더/중간발표/Run & Retrun.pptx
+++ b/2DGP_Project/ppt발표폴더/중간발표/Run & Retrun.pptx
@@ -4019,7 +4019,12 @@
             <p:ph type="title"/>
           </p:nvPr>
         </p:nvSpPr>
-        <p:spPr/>
+        <p:spPr>
+          <a:xfrm>
+            <a:off x="1066800" y="250275"/>
+            <a:ext cx="10058400" cy="1450757"/>
+          </a:xfrm>
+        </p:spPr>
         <p:txBody>
           <a:bodyPr/>
           <a:lstStyle/>
@@ -4053,26 +4058,197 @@
             <p:ph idx="1"/>
           </p:nvPr>
         </p:nvSpPr>
-        <p:spPr/>
+        <p:spPr>
+          <a:xfrm>
+            <a:off x="633453" y="1858986"/>
+            <a:ext cx="11015207" cy="4023360"/>
+          </a:xfrm>
+        </p:spPr>
         <p:txBody>
           <a:bodyPr/>
           <a:lstStyle/>
           <a:p>
             <a:r>
-              <a:rPr lang="ko-KR" altLang="en-US" sz="3600" dirty="0"/>
-              <a:t>○정확한 판단</a:t>
-            </a:r>
-            <a:r>
-              <a:rPr lang="en-US" altLang="ko-KR" sz="3600" dirty="0"/>
+              <a:rPr lang="ko-KR" altLang="en-US" sz="3200" dirty="0"/>
+              <a:t>○달려라</a:t>
+            </a:r>
+            <a:r>
+              <a:rPr lang="en-US" altLang="ko-KR" sz="3200" dirty="0"/>
               <a:t>, </a:t>
             </a:r>
             <a:r>
-              <a:rPr lang="ko-KR" altLang="en-US" sz="3600" dirty="0"/>
-              <a:t>섬세한 컨트롤</a:t>
-            </a:r>
-            <a:endParaRPr lang="en-US" altLang="ko-KR" sz="3600" dirty="0"/>
+              <a:rPr lang="ko-KR" altLang="en-US" sz="3200" dirty="0"/>
+              <a:t>그리고 돌아와라</a:t>
+            </a:r>
+            <a:endParaRPr lang="en-US" altLang="ko-KR" sz="3200" dirty="0"/>
           </a:p>
           <a:p>
+            <a:r>
+              <a:rPr lang="en-US" altLang="ko-KR" sz="2800" dirty="0">
+                <a:latin typeface="+mj-ea"/>
+                <a:ea typeface="+mj-ea"/>
+              </a:rPr>
+              <a:t> </a:t>
+            </a:r>
+            <a:r>
+              <a:rPr lang="ko-KR" altLang="en-US" sz="2800" dirty="0">
+                <a:latin typeface="+mj-ea"/>
+                <a:ea typeface="+mj-ea"/>
+              </a:rPr>
+              <a:t> </a:t>
+            </a:r>
+            <a:r>
+              <a:rPr lang="en-US" altLang="ko-KR" sz="2800" dirty="0">
+                <a:latin typeface="+mj-ea"/>
+                <a:ea typeface="+mj-ea"/>
+              </a:rPr>
+              <a:t>-</a:t>
+            </a:r>
+            <a:r>
+              <a:rPr lang="ko-KR" altLang="en-US" sz="2800" dirty="0">
+                <a:latin typeface="+mj-ea"/>
+                <a:ea typeface="+mj-ea"/>
+              </a:rPr>
+              <a:t> 방향키를 이용한 쉬운 조작</a:t>
+            </a:r>
+            <a:endParaRPr lang="en-US" altLang="ko-KR" sz="2800" dirty="0">
+              <a:latin typeface="+mj-ea"/>
+              <a:ea typeface="+mj-ea"/>
+            </a:endParaRPr>
+          </a:p>
+          <a:p>
+            <a:r>
+              <a:rPr lang="en-US" altLang="ko-KR" sz="2800" dirty="0">
+                <a:latin typeface="+mj-ea"/>
+                <a:ea typeface="+mj-ea"/>
+              </a:rPr>
+              <a:t>  -</a:t>
+            </a:r>
+            <a:r>
+              <a:rPr lang="ko-KR" altLang="en-US" sz="2800" dirty="0">
+                <a:latin typeface="+mj-ea"/>
+                <a:ea typeface="+mj-ea"/>
+              </a:rPr>
+              <a:t> 제한시간 동안 갔다가</a:t>
+            </a:r>
+            <a:r>
+              <a:rPr lang="en-US" altLang="ko-KR" sz="2800" dirty="0">
+                <a:latin typeface="+mj-ea"/>
+                <a:ea typeface="+mj-ea"/>
+              </a:rPr>
+              <a:t>, </a:t>
+            </a:r>
+            <a:r>
+              <a:rPr lang="ko-KR" altLang="en-US" sz="2800" dirty="0">
+                <a:latin typeface="+mj-ea"/>
+                <a:ea typeface="+mj-ea"/>
+              </a:rPr>
+              <a:t>똑같은 시간 동안 </a:t>
+            </a:r>
+            <a:r>
+              <a:rPr lang="ko-KR" altLang="en-US" sz="2800" dirty="0" err="1">
+                <a:latin typeface="+mj-ea"/>
+                <a:ea typeface="+mj-ea"/>
+              </a:rPr>
+              <a:t>갔던만큼</a:t>
+            </a:r>
+            <a:r>
+              <a:rPr lang="ko-KR" altLang="en-US" sz="2800" dirty="0">
+                <a:latin typeface="+mj-ea"/>
+                <a:ea typeface="+mj-ea"/>
+              </a:rPr>
+              <a:t> 돌아와야 한다</a:t>
+            </a:r>
+            <a:r>
+              <a:rPr lang="en-US" altLang="ko-KR" sz="2800" dirty="0">
+                <a:latin typeface="+mj-ea"/>
+                <a:ea typeface="+mj-ea"/>
+              </a:rPr>
+              <a:t>.</a:t>
+            </a:r>
+          </a:p>
+          <a:p>
+            <a:r>
+              <a:rPr lang="en-US" altLang="ko-KR" sz="2800" dirty="0">
+                <a:latin typeface="+mj-ea"/>
+              </a:rPr>
+              <a:t>  -</a:t>
+            </a:r>
+            <a:r>
+              <a:rPr lang="ko-KR" altLang="en-US" sz="2800" dirty="0">
+                <a:latin typeface="+mj-ea"/>
+              </a:rPr>
+              <a:t> 한 </a:t>
+            </a:r>
+            <a:r>
+              <a:rPr lang="ko-KR" altLang="en-US" sz="2800" dirty="0" err="1">
+                <a:latin typeface="+mj-ea"/>
+              </a:rPr>
+              <a:t>맵에서의</a:t>
+            </a:r>
+            <a:r>
+              <a:rPr lang="ko-KR" altLang="en-US" sz="2800" dirty="0">
+                <a:latin typeface="+mj-ea"/>
+              </a:rPr>
+              <a:t> 여러 가지 루트</a:t>
+            </a:r>
+            <a:r>
+              <a:rPr lang="en-US" altLang="ko-KR" sz="2800" dirty="0">
+                <a:latin typeface="+mj-ea"/>
+              </a:rPr>
+              <a:t>, </a:t>
+            </a:r>
+            <a:r>
+              <a:rPr lang="ko-KR" altLang="en-US" sz="2800" dirty="0">
+                <a:latin typeface="+mj-ea"/>
+              </a:rPr>
+              <a:t>더 갈 수 있을까</a:t>
+            </a:r>
+            <a:r>
+              <a:rPr lang="en-US" altLang="ko-KR" sz="2800" dirty="0">
+                <a:latin typeface="+mj-ea"/>
+              </a:rPr>
+              <a:t>? </a:t>
+            </a:r>
+            <a:r>
+              <a:rPr lang="ko-KR" altLang="en-US" sz="2800" dirty="0">
+                <a:latin typeface="+mj-ea"/>
+              </a:rPr>
+              <a:t>돌아올 수 있을까</a:t>
+            </a:r>
+            <a:r>
+              <a:rPr lang="en-US" altLang="ko-KR" sz="2800" dirty="0">
+                <a:latin typeface="+mj-ea"/>
+              </a:rPr>
+              <a:t>?</a:t>
+            </a:r>
+          </a:p>
+          <a:p>
+            <a:pPr algn="ctr"/>
+            <a:endParaRPr lang="en-US" altLang="ko-KR" sz="2800" u="sng" dirty="0">
+              <a:latin typeface="+mj-ea"/>
+            </a:endParaRPr>
+          </a:p>
+          <a:p>
+            <a:pPr algn="ctr"/>
+            <a:r>
+              <a:rPr lang="ko-KR" altLang="en-US" sz="3200" u="sng" dirty="0">
+                <a:latin typeface="+mj-ea"/>
+              </a:rPr>
+              <a:t>기록은 당신의 선택과 컨트롤에 달렸다</a:t>
+            </a:r>
+            <a:r>
+              <a:rPr lang="en-US" altLang="ko-KR" sz="3200" u="sng" dirty="0">
+                <a:latin typeface="+mj-ea"/>
+              </a:rPr>
+              <a:t>!</a:t>
+            </a:r>
+            <a:endParaRPr lang="en-US" altLang="ko-KR" sz="3200" u="sng" dirty="0"/>
+          </a:p>
+          <a:p>
+            <a:pPr marL="0" indent="0">
+              <a:buNone/>
+            </a:pPr>
             <a:endParaRPr lang="en-US" altLang="ko-KR" dirty="0"/>
           </a:p>
         </p:txBody>
@@ -6720,7 +6896,7 @@
           <p:nvPr>
             <p:extLst>
               <p:ext uri="{D42A27DB-BD31-4B8C-83A1-F6EECF244321}">
-                <p14:modId xmlns:p14="http://schemas.microsoft.com/office/powerpoint/2010/main" val="1258469428"/>
+                <p14:modId xmlns:p14="http://schemas.microsoft.com/office/powerpoint/2010/main" val="4175444092"/>
               </p:ext>
             </p:extLst>
           </p:nvPr>
@@ -7812,7 +7988,7 @@
                       </a:pPr>
                       <a:r>
                         <a:rPr lang="ko-KR" altLang="en-US" sz="1600" dirty="0"/>
-                        <a:t>○게임 전체에 필요한 사운드 삽 </a:t>
+                        <a:t>○게임 전체에 필요한 사운드 삽입 </a:t>
                       </a:r>
                       <a:r>
                         <a:rPr lang="en-US" altLang="ko-KR" sz="1600" dirty="0"/>

--- a/2DGP_Project/ppt발표폴더/중간발표/Run & Retrun.pptx
+++ b/2DGP_Project/ppt발표폴더/중간발표/Run & Retrun.pptx
@@ -3879,16 +3879,16 @@
                 </a:solidFill>
                 <a:latin typeface="+mj-ea"/>
               </a:rPr>
-              <a:t>Run &amp; </a:t>
-            </a:r>
-            <a:r>
-              <a:rPr lang="en-US" altLang="ko-KR" sz="8800" b="1" dirty="0" err="1">
+              <a:t>Run </a:t>
+            </a:r>
+            <a:r>
+              <a:rPr lang="en-US" altLang="ko-KR" sz="8800" b="1">
                 <a:solidFill>
                   <a:schemeClr val="tx1"/>
                 </a:solidFill>
                 <a:latin typeface="+mj-ea"/>
               </a:rPr>
-              <a:t>Retrun</a:t>
+              <a:t>&amp; Return</a:t>
             </a:r>
             <a:br>
               <a:rPr lang="en-US" altLang="ko-KR" sz="8800" b="1" dirty="0">
